--- a/kvm_project/KVM실습-김민식.pptx
+++ b/kvm_project/KVM실습-김민식.pptx
@@ -7742,6 +7742,19 @@
               </a:rPr>
               <a:t>그래픽 데스크톱 공유 시스템</a:t>
             </a:r>
+            <a:r>
+              <a:rPr lang="en-US" altLang="ko-KR">
+                <a:solidFill>
+                  <a:srgbClr val="FF0000"/>
+                </a:solidFill>
+              </a:rPr>
+              <a:t>..</a:t>
+            </a:r>
+            <a:endParaRPr lang="ko-KR" altLang="en-US">
+              <a:solidFill>
+                <a:srgbClr val="FF0000"/>
+              </a:solidFill>
+            </a:endParaRPr>
           </a:p>
         </p:txBody>
       </p:sp>

--- a/kvm_project/KVM실습-김민식.pptx
+++ b/kvm_project/KVM실습-김민식.pptx
@@ -5497,10 +5497,10 @@
       </p:sp>
       <p:pic>
         <p:nvPicPr>
-          <p:cNvPr id="8" name="그림 7">
-            <a:extLst>
-              <a:ext uri="{FF2B5EF4-FFF2-40B4-BE49-F238E27FC236}">
-                <a16:creationId xmlns:a16="http://schemas.microsoft.com/office/drawing/2014/main" id="{885F5194-8C67-45B6-A845-B058FA084AA4}"/>
+          <p:cNvPr id="10" name="그림 9">
+            <a:extLst>
+              <a:ext uri="{FF2B5EF4-FFF2-40B4-BE49-F238E27FC236}">
+                <a16:creationId xmlns:a16="http://schemas.microsoft.com/office/drawing/2014/main" id="{742563F6-5B7B-46D4-96E1-FB70172D17E7}"/>
               </a:ext>
             </a:extLst>
           </p:cNvPr>
@@ -5523,20 +5523,143 @@
         </p:blipFill>
         <p:spPr>
           <a:xfrm>
-            <a:off x="409575" y="4754698"/>
-            <a:ext cx="5014395" cy="1615580"/>
+            <a:off x="6892075" y="4754698"/>
+            <a:ext cx="4961050" cy="1295512"/>
           </a:xfrm>
           <a:prstGeom prst="rect">
             <a:avLst/>
           </a:prstGeom>
         </p:spPr>
       </p:pic>
+      <p:sp>
+        <p:nvSpPr>
+          <p:cNvPr id="11" name="TextBox 10">
+            <a:extLst>
+              <a:ext uri="{FF2B5EF4-FFF2-40B4-BE49-F238E27FC236}">
+                <a16:creationId xmlns:a16="http://schemas.microsoft.com/office/drawing/2014/main" id="{A7EC773D-6A3B-42A1-B95D-C98268159DEC}"/>
+              </a:ext>
+            </a:extLst>
+          </p:cNvPr>
+          <p:cNvSpPr txBox="1"/>
+          <p:nvPr/>
+        </p:nvSpPr>
+        <p:spPr>
+          <a:xfrm>
+            <a:off x="733743" y="6274720"/>
+            <a:ext cx="2771775" cy="369332"/>
+          </a:xfrm>
+          <a:prstGeom prst="rect">
+            <a:avLst/>
+          </a:prstGeom>
+          <a:noFill/>
+        </p:spPr>
+        <p:txBody>
+          <a:bodyPr wrap="square" rtlCol="0">
+            <a:spAutoFit/>
+          </a:bodyPr>
+          <a:lstStyle/>
+          <a:p>
+            <a:r>
+              <a:rPr lang="ko-KR" altLang="en-US">
+                <a:solidFill>
+                  <a:srgbClr val="FF0000"/>
+                </a:solidFill>
+              </a:rPr>
+              <a:t>외부 네트워크 설정</a:t>
+            </a:r>
+          </a:p>
+        </p:txBody>
+      </p:sp>
+      <p:sp>
+        <p:nvSpPr>
+          <p:cNvPr id="12" name="TextBox 11">
+            <a:extLst>
+              <a:ext uri="{FF2B5EF4-FFF2-40B4-BE49-F238E27FC236}">
+                <a16:creationId xmlns:a16="http://schemas.microsoft.com/office/drawing/2014/main" id="{B1183B11-20E7-4B8D-98D2-3CC1144B98F8}"/>
+              </a:ext>
+            </a:extLst>
+          </p:cNvPr>
+          <p:cNvSpPr txBox="1"/>
+          <p:nvPr/>
+        </p:nvSpPr>
+        <p:spPr>
+          <a:xfrm>
+            <a:off x="8387080" y="6090054"/>
+            <a:ext cx="2771775" cy="369332"/>
+          </a:xfrm>
+          <a:prstGeom prst="rect">
+            <a:avLst/>
+          </a:prstGeom>
+          <a:noFill/>
+        </p:spPr>
+        <p:txBody>
+          <a:bodyPr wrap="square" rtlCol="0">
+            <a:spAutoFit/>
+          </a:bodyPr>
+          <a:lstStyle/>
+          <a:p>
+            <a:r>
+              <a:rPr lang="ko-KR" altLang="en-US">
+                <a:solidFill>
+                  <a:srgbClr val="FF0000"/>
+                </a:solidFill>
+              </a:rPr>
+              <a:t>내부 네트워크 설정</a:t>
+            </a:r>
+          </a:p>
+        </p:txBody>
+      </p:sp>
+      <p:cxnSp>
+        <p:nvCxnSpPr>
+          <p:cNvPr id="16" name="직선 화살표 연결선 15">
+            <a:extLst>
+              <a:ext uri="{FF2B5EF4-FFF2-40B4-BE49-F238E27FC236}">
+                <a16:creationId xmlns:a16="http://schemas.microsoft.com/office/drawing/2014/main" id="{E0187B0D-3632-4ECD-9D4E-2E02DFB49C8D}"/>
+              </a:ext>
+            </a:extLst>
+          </p:cNvPr>
+          <p:cNvCxnSpPr>
+            <a:stCxn id="5" idx="2"/>
+            <a:endCxn id="10" idx="0"/>
+          </p:cNvCxnSpPr>
+          <p:nvPr/>
+        </p:nvCxnSpPr>
+        <p:spPr>
+          <a:xfrm>
+            <a:off x="6096000" y="4298052"/>
+            <a:ext cx="3276600" cy="456646"/>
+          </a:xfrm>
+          <a:prstGeom prst="straightConnector1">
+            <a:avLst/>
+          </a:prstGeom>
+          <a:ln w="76200">
+            <a:solidFill>
+              <a:srgbClr val="FF0000"/>
+            </a:solidFill>
+            <a:tailEnd type="triangle"/>
+          </a:ln>
+        </p:spPr>
+        <p:style>
+          <a:lnRef idx="1">
+            <a:schemeClr val="accent1"/>
+          </a:lnRef>
+          <a:fillRef idx="0">
+            <a:schemeClr val="accent1"/>
+          </a:fillRef>
+          <a:effectRef idx="0">
+            <a:schemeClr val="accent1"/>
+          </a:effectRef>
+          <a:fontRef idx="minor">
+            <a:schemeClr val="tx1"/>
+          </a:fontRef>
+        </p:style>
+      </p:cxnSp>
       <p:pic>
         <p:nvPicPr>
-          <p:cNvPr id="10" name="그림 9">
-            <a:extLst>
-              <a:ext uri="{FF2B5EF4-FFF2-40B4-BE49-F238E27FC236}">
-                <a16:creationId xmlns:a16="http://schemas.microsoft.com/office/drawing/2014/main" id="{742563F6-5B7B-46D4-96E1-FB70172D17E7}"/>
+          <p:cNvPr id="17" name="그림 16">
+            <a:extLst>
+              <a:ext uri="{FF2B5EF4-FFF2-40B4-BE49-F238E27FC236}">
+                <a16:creationId xmlns:a16="http://schemas.microsoft.com/office/drawing/2014/main" id="{C9888949-0F74-4BD1-A863-3CA944454397}"/>
               </a:ext>
             </a:extLst>
           </p:cNvPr>
@@ -5559,111 +5682,73 @@
         </p:blipFill>
         <p:spPr>
           <a:xfrm>
-            <a:off x="6892075" y="4754698"/>
-            <a:ext cx="4961050" cy="1295512"/>
+            <a:off x="84519" y="2407362"/>
+            <a:ext cx="5204911" cy="1150720"/>
           </a:xfrm>
           <a:prstGeom prst="rect">
             <a:avLst/>
           </a:prstGeom>
+          <a:ln w="57150">
+            <a:solidFill>
+              <a:schemeClr val="tx1"/>
+            </a:solidFill>
+          </a:ln>
         </p:spPr>
       </p:pic>
-      <p:sp>
-        <p:nvSpPr>
-          <p:cNvPr id="11" name="TextBox 10">
-            <a:extLst>
-              <a:ext uri="{FF2B5EF4-FFF2-40B4-BE49-F238E27FC236}">
-                <a16:creationId xmlns:a16="http://schemas.microsoft.com/office/drawing/2014/main" id="{A7EC773D-6A3B-42A1-B95D-C98268159DEC}"/>
-              </a:ext>
-            </a:extLst>
-          </p:cNvPr>
-          <p:cNvSpPr txBox="1"/>
+      <p:pic>
+        <p:nvPicPr>
+          <p:cNvPr id="19" name="그림 18">
+            <a:extLst>
+              <a:ext uri="{FF2B5EF4-FFF2-40B4-BE49-F238E27FC236}">
+                <a16:creationId xmlns:a16="http://schemas.microsoft.com/office/drawing/2014/main" id="{E08D2473-A18A-423D-91D8-EADF0120AF54}"/>
+              </a:ext>
+            </a:extLst>
+          </p:cNvPr>
+          <p:cNvPicPr>
+            <a:picLocks noChangeAspect="1"/>
+          </p:cNvPicPr>
           <p:nvPr/>
-        </p:nvSpPr>
-        <p:spPr>
-          <a:xfrm>
-            <a:off x="1695768" y="6370278"/>
-            <a:ext cx="2771775" cy="369332"/>
+        </p:nvPicPr>
+        <p:blipFill>
+          <a:blip r:embed="rId5">
+            <a:extLst>
+              <a:ext uri="{28A0092B-C50C-407E-A947-70E740481C1C}">
+                <a14:useLocalDpi xmlns:a14="http://schemas.microsoft.com/office/drawing/2010/main" val="0"/>
+              </a:ext>
+            </a:extLst>
+          </a:blip>
+          <a:stretch>
+            <a:fillRect/>
+          </a:stretch>
+        </p:blipFill>
+        <p:spPr>
+          <a:xfrm>
+            <a:off x="562695" y="4671066"/>
+            <a:ext cx="2629128" cy="1508891"/>
           </a:xfrm>
           <a:prstGeom prst="rect">
             <a:avLst/>
           </a:prstGeom>
-          <a:noFill/>
-        </p:spPr>
-        <p:txBody>
-          <a:bodyPr wrap="square" rtlCol="0">
-            <a:spAutoFit/>
-          </a:bodyPr>
-          <a:lstStyle/>
-          <a:p>
-            <a:r>
-              <a:rPr lang="ko-KR" altLang="en-US">
-                <a:solidFill>
-                  <a:srgbClr val="FF0000"/>
-                </a:solidFill>
-              </a:rPr>
-              <a:t>외부 네트워크 설정</a:t>
-            </a:r>
-          </a:p>
-        </p:txBody>
-      </p:sp>
-      <p:sp>
-        <p:nvSpPr>
-          <p:cNvPr id="12" name="TextBox 11">
-            <a:extLst>
-              <a:ext uri="{FF2B5EF4-FFF2-40B4-BE49-F238E27FC236}">
-                <a16:creationId xmlns:a16="http://schemas.microsoft.com/office/drawing/2014/main" id="{B1183B11-20E7-4B8D-98D2-3CC1144B98F8}"/>
-              </a:ext>
-            </a:extLst>
-          </p:cNvPr>
-          <p:cNvSpPr txBox="1"/>
-          <p:nvPr/>
-        </p:nvSpPr>
-        <p:spPr>
-          <a:xfrm>
-            <a:off x="8387080" y="6090054"/>
-            <a:ext cx="2771775" cy="369332"/>
-          </a:xfrm>
-          <a:prstGeom prst="rect">
-            <a:avLst/>
-          </a:prstGeom>
-          <a:noFill/>
-        </p:spPr>
-        <p:txBody>
-          <a:bodyPr wrap="square" rtlCol="0">
-            <a:spAutoFit/>
-          </a:bodyPr>
-          <a:lstStyle/>
-          <a:p>
-            <a:r>
-              <a:rPr lang="ko-KR" altLang="en-US">
-                <a:solidFill>
-                  <a:srgbClr val="FF0000"/>
-                </a:solidFill>
-              </a:rPr>
-              <a:t>내부 네트워크 설정</a:t>
-            </a:r>
-          </a:p>
-        </p:txBody>
-      </p:sp>
+        </p:spPr>
+      </p:pic>
       <p:cxnSp>
         <p:nvCxnSpPr>
-          <p:cNvPr id="14" name="직선 화살표 연결선 13">
-            <a:extLst>
-              <a:ext uri="{FF2B5EF4-FFF2-40B4-BE49-F238E27FC236}">
-                <a16:creationId xmlns:a16="http://schemas.microsoft.com/office/drawing/2014/main" id="{0256A9D0-E1B8-4D05-A168-EFD3E45ED2B1}"/>
+          <p:cNvPr id="13" name="직선 화살표 연결선 12">
+            <a:extLst>
+              <a:ext uri="{FF2B5EF4-FFF2-40B4-BE49-F238E27FC236}">
+                <a16:creationId xmlns:a16="http://schemas.microsoft.com/office/drawing/2014/main" id="{F96A107B-B052-465C-8999-B2E71151365C}"/>
               </a:ext>
             </a:extLst>
           </p:cNvPr>
           <p:cNvCxnSpPr>
-            <a:stCxn id="5" idx="2"/>
-            <a:endCxn id="8" idx="0"/>
+            <a:cxnSpLocks/>
           </p:cNvCxnSpPr>
           <p:nvPr/>
         </p:nvCxnSpPr>
         <p:spPr>
           <a:xfrm flipH="1">
-            <a:off x="2916773" y="4298052"/>
-            <a:ext cx="3179227" cy="456646"/>
+            <a:off x="1695768" y="2682472"/>
+            <a:ext cx="159666" cy="2719982"/>
           </a:xfrm>
           <a:prstGeom prst="straightConnector1">
             <a:avLst/>
@@ -5692,23 +5777,24 @@
       </p:cxnSp>
       <p:cxnSp>
         <p:nvCxnSpPr>
-          <p:cNvPr id="16" name="직선 화살표 연결선 15">
-            <a:extLst>
-              <a:ext uri="{FF2B5EF4-FFF2-40B4-BE49-F238E27FC236}">
-                <a16:creationId xmlns:a16="http://schemas.microsoft.com/office/drawing/2014/main" id="{E0187B0D-3632-4ECD-9D4E-2E02DFB49C8D}"/>
+          <p:cNvPr id="14" name="직선 화살표 연결선 13">
+            <a:extLst>
+              <a:ext uri="{FF2B5EF4-FFF2-40B4-BE49-F238E27FC236}">
+                <a16:creationId xmlns:a16="http://schemas.microsoft.com/office/drawing/2014/main" id="{0256A9D0-E1B8-4D05-A168-EFD3E45ED2B1}"/>
               </a:ext>
             </a:extLst>
           </p:cNvPr>
           <p:cNvCxnSpPr>
+            <a:cxnSpLocks/>
             <a:stCxn id="5" idx="2"/>
-            <a:endCxn id="10" idx="0"/>
+            <a:endCxn id="19" idx="0"/>
           </p:cNvCxnSpPr>
           <p:nvPr/>
         </p:nvCxnSpPr>
         <p:spPr>
-          <a:xfrm>
-            <a:off x="6096000" y="4298052"/>
-            <a:ext cx="3276600" cy="456646"/>
+          <a:xfrm flipH="1">
+            <a:off x="1877259" y="4298052"/>
+            <a:ext cx="4218741" cy="373014"/>
           </a:xfrm>
           <a:prstGeom prst="straightConnector1">
             <a:avLst/>
@@ -5735,6 +5821,101 @@
           </a:fontRef>
         </p:style>
       </p:cxnSp>
+      <p:sp>
+        <p:nvSpPr>
+          <p:cNvPr id="22" name="TextBox 21">
+            <a:extLst>
+              <a:ext uri="{FF2B5EF4-FFF2-40B4-BE49-F238E27FC236}">
+                <a16:creationId xmlns:a16="http://schemas.microsoft.com/office/drawing/2014/main" id="{DB3953B0-D379-4049-B98D-F84FFD68842C}"/>
+              </a:ext>
+            </a:extLst>
+          </p:cNvPr>
+          <p:cNvSpPr txBox="1"/>
+          <p:nvPr/>
+        </p:nvSpPr>
+        <p:spPr>
+          <a:xfrm>
+            <a:off x="3390899" y="4943475"/>
+            <a:ext cx="3346097" cy="2031325"/>
+          </a:xfrm>
+          <a:prstGeom prst="rect">
+            <a:avLst/>
+          </a:prstGeom>
+          <a:noFill/>
+        </p:spPr>
+        <p:txBody>
+          <a:bodyPr wrap="square" rtlCol="0">
+            <a:spAutoFit/>
+          </a:bodyPr>
+          <a:lstStyle/>
+          <a:p>
+            <a:r>
+              <a:rPr lang="en-US" altLang="ko-KR"/>
+              <a:t>Br0 : bridge </a:t>
+            </a:r>
+            <a:r>
+              <a:rPr lang="ko-KR" altLang="en-US"/>
+              <a:t>네트워크</a:t>
+            </a:r>
+            <a:endParaRPr lang="en-US" altLang="ko-KR"/>
+          </a:p>
+          <a:p>
+            <a:endParaRPr lang="en-US" altLang="ko-KR"/>
+          </a:p>
+          <a:p>
+            <a:r>
+              <a:rPr lang="en-US" altLang="ko-KR"/>
+              <a:t>Eth0(</a:t>
+            </a:r>
+            <a:r>
+              <a:rPr lang="ko-KR" altLang="en-US"/>
+              <a:t>외부</a:t>
+            </a:r>
+            <a:r>
+              <a:rPr lang="en-US" altLang="ko-KR"/>
+              <a:t> </a:t>
+            </a:r>
+            <a:r>
+              <a:rPr lang="ko-KR" altLang="en-US"/>
+              <a:t>네트워크</a:t>
+            </a:r>
+            <a:r>
+              <a:rPr lang="en-US" altLang="ko-KR"/>
+              <a:t>)</a:t>
+            </a:r>
+            <a:r>
+              <a:rPr lang="ko-KR" altLang="en-US"/>
+              <a:t>는</a:t>
+            </a:r>
+            <a:endParaRPr lang="en-US" altLang="ko-KR"/>
+          </a:p>
+          <a:p>
+            <a:r>
+              <a:rPr lang="en-US" altLang="ko-KR"/>
+              <a:t>Bridge</a:t>
+            </a:r>
+            <a:r>
+              <a:rPr lang="ko-KR" altLang="en-US"/>
+              <a:t>로 설정되어있기 때문에 여기에 맞는 네트워크의 </a:t>
+            </a:r>
+            <a:r>
+              <a:rPr lang="en-US" altLang="ko-KR"/>
+              <a:t>IP</a:t>
+            </a:r>
+            <a:r>
+              <a:rPr lang="ko-KR" altLang="en-US"/>
+              <a:t>로 설정해야 함</a:t>
+            </a:r>
+            <a:r>
+              <a:rPr lang="en-US" altLang="ko-KR"/>
+              <a:t>.</a:t>
+            </a:r>
+          </a:p>
+          <a:p>
+            <a:endParaRPr lang="ko-KR" altLang="en-US"/>
+          </a:p>
+        </p:txBody>
+      </p:sp>
     </p:spTree>
     <p:extLst>
       <p:ext uri="{BB962C8B-B14F-4D97-AF65-F5344CB8AC3E}">
@@ -5765,6 +5946,42 @@
           <a:chExt cx="0" cy="0"/>
         </a:xfrm>
       </p:grpSpPr>
+      <p:pic>
+        <p:nvPicPr>
+          <p:cNvPr id="3" name="그림 2">
+            <a:extLst>
+              <a:ext uri="{FF2B5EF4-FFF2-40B4-BE49-F238E27FC236}">
+                <a16:creationId xmlns:a16="http://schemas.microsoft.com/office/drawing/2014/main" id="{6C399D28-9FFA-42DE-9AFC-2DD507FD3BFA}"/>
+              </a:ext>
+            </a:extLst>
+          </p:cNvPr>
+          <p:cNvPicPr>
+            <a:picLocks noChangeAspect="1"/>
+          </p:cNvPicPr>
+          <p:nvPr/>
+        </p:nvPicPr>
+        <p:blipFill>
+          <a:blip r:embed="rId2">
+            <a:extLst>
+              <a:ext uri="{28A0092B-C50C-407E-A947-70E740481C1C}">
+                <a14:useLocalDpi xmlns:a14="http://schemas.microsoft.com/office/drawing/2010/main" val="0"/>
+              </a:ext>
+            </a:extLst>
+          </a:blip>
+          <a:stretch>
+            <a:fillRect/>
+          </a:stretch>
+        </p:blipFill>
+        <p:spPr>
+          <a:xfrm>
+            <a:off x="169334" y="350428"/>
+            <a:ext cx="4861981" cy="2118544"/>
+          </a:xfrm>
+          <a:prstGeom prst="rect">
+            <a:avLst/>
+          </a:prstGeom>
+        </p:spPr>
+      </p:pic>
     </p:spTree>
     <p:extLst>
       <p:ext uri="{BB962C8B-B14F-4D97-AF65-F5344CB8AC3E}">
